--- a/Présentation YAB Hayel Julien.pptx
+++ b/Présentation YAB Hayel Julien.pptx
@@ -146,6 +146,7 @@
     <p1510:client id="{1C3D1860-647D-4E22-8EA3-82926AE35DAC}" v="275" dt="2022-10-25T14:22:35.650"/>
     <p1510:client id="{257186B4-C22A-D685-1CB3-C24F1EF4B401}" v="5" dt="2022-10-25T14:26:55.985"/>
     <p1510:client id="{5E7C2CE1-3CF2-E982-A385-92D613E73D53}" v="181" dt="2022-10-26T14:07:09.434"/>
+    <p1510:client id="{87E6C681-5005-DEEE-0067-29C3B733BF60}" v="12" dt="2022-10-27T07:01:01.207"/>
     <p1510:client id="{D0FB64B9-9849-1AD7-54B5-B472FB56D829}" v="174" dt="2022-10-26T14:14:44.522"/>
     <p1510:client id="{DC5B7EF2-17CE-CAEB-54A3-BC6807DEBF34}" v="206" dt="2022-10-26T10:44:42.848"/>
   </p1510:revLst>
@@ -13929,10 +13930,10 @@
       </p:pic>
       <p:pic>
         <p:nvPicPr>
-          <p:cNvPr id="7" name="Picture 7">
+          <p:cNvPr id="8" name="Picture 8">
             <a:extLst>
               <a:ext uri="{FF2B5EF4-FFF2-40B4-BE49-F238E27FC236}">
-                <a16:creationId xmlns:a16="http://schemas.microsoft.com/office/drawing/2014/main" id="{AF190ACF-4120-D4C0-510A-B5D49DA38F47}"/>
+                <a16:creationId xmlns:a16="http://schemas.microsoft.com/office/drawing/2014/main" id="{53584075-354B-BCF7-3002-60CABB7FF396}"/>
               </a:ext>
             </a:extLst>
           </p:cNvPr>
@@ -13949,8 +13950,8 @@
         </p:blipFill>
         <p:spPr>
           <a:xfrm>
-            <a:off x="6685845" y="1137920"/>
-            <a:ext cx="4267200" cy="5555827"/>
+            <a:off x="6708475" y="1112380"/>
+            <a:ext cx="4123426" cy="5481505"/>
           </a:xfrm>
           <a:prstGeom prst="rect">
             <a:avLst/>

--- a/Présentation YAB Hayel Julien.pptx
+++ b/Présentation YAB Hayel Julien.pptx
@@ -145,6 +145,7 @@
   <p1510:revLst>
     <p1510:client id="{1C3D1860-647D-4E22-8EA3-82926AE35DAC}" v="275" dt="2022-10-25T14:22:35.650"/>
     <p1510:client id="{257186B4-C22A-D685-1CB3-C24F1EF4B401}" v="5" dt="2022-10-25T14:26:55.985"/>
+    <p1510:client id="{4DE85FDB-DD05-49D1-DD07-9B7683A62510}" v="12" dt="2022-10-30T18:12:29.946"/>
     <p1510:client id="{5E7C2CE1-3CF2-E982-A385-92D613E73D53}" v="181" dt="2022-10-26T14:07:09.434"/>
     <p1510:client id="{87E6C681-5005-DEEE-0067-29C3B733BF60}" v="12" dt="2022-10-27T07:01:01.207"/>
     <p1510:client id="{D0FB64B9-9849-1AD7-54B5-B472FB56D829}" v="174" dt="2022-10-26T14:14:44.522"/>
@@ -7045,7 +7046,7 @@
           <a:p>
             <a:fld id="{F17DF69C-05EE-4018-9AA5-CAB470B631BE}" type="datetime1">
               <a:rPr lang="fr-FR" smtClean="0"/>
-              <a:t>26/10/2022</a:t>
+              <a:t>30/10/2022</a:t>
             </a:fld>
             <a:endParaRPr lang="fr-FR"/>
           </a:p>
@@ -7224,7 +7225,7 @@
             <a:fld id="{A59A52C9-7660-4CCB-AF6D-078ED416F168}" type="datetime1">
               <a:rPr lang="fr-FR" smtClean="0"/>
               <a:pPr/>
-              <a:t>26/10/2022</a:t>
+              <a:t>30/10/2022</a:t>
             </a:fld>
             <a:endParaRPr lang="fr-FR"/>
           </a:p>
@@ -7791,7 +7792,7 @@
           <a:p>
             <a:fld id="{9AB3A824-1A51-4B26-AD58-A6D8E14F6C04}" type="datetimeFigureOut">
               <a:rPr lang="en-US" dirty="0"/>
-              <a:t>10/26/2022</a:t>
+              <a:t>10/30/2022</a:t>
             </a:fld>
             <a:endParaRPr lang="en-US"/>
           </a:p>
@@ -8128,7 +8129,7 @@
           <a:p>
             <a:fld id="{D857E33E-8B18-4087-B112-809917729534}" type="datetimeFigureOut">
               <a:rPr lang="en-US" dirty="0"/>
-              <a:t>10/26/2022</a:t>
+              <a:t>10/30/2022</a:t>
             </a:fld>
             <a:endParaRPr lang="en-US"/>
           </a:p>
@@ -8433,7 +8434,7 @@
           <a:p>
             <a:fld id="{D3FFE419-2371-464F-8239-3959401C3561}" type="datetimeFigureOut">
               <a:rPr lang="en-US" dirty="0"/>
-              <a:t>10/26/2022</a:t>
+              <a:t>10/30/2022</a:t>
             </a:fld>
             <a:endParaRPr lang="en-US"/>
           </a:p>
@@ -8683,7 +8684,7 @@
           <a:p>
             <a:fld id="{97D162C4-EDD9-4389-A98B-B87ECEA2A816}" type="datetimeFigureOut">
               <a:rPr lang="en-US" dirty="0"/>
-              <a:t>10/26/2022</a:t>
+              <a:t>10/30/2022</a:t>
             </a:fld>
             <a:endParaRPr lang="en-US"/>
           </a:p>
@@ -9094,7 +9095,7 @@
           <a:p>
             <a:fld id="{3E5059C3-6A89-4494-99FF-5A4D6FFD50EB}" type="datetimeFigureOut">
               <a:rPr lang="en-US" dirty="0"/>
-              <a:t>10/26/2022</a:t>
+              <a:t>10/30/2022</a:t>
             </a:fld>
             <a:endParaRPr lang="en-US"/>
           </a:p>
@@ -9410,7 +9411,7 @@
           <a:p>
             <a:fld id="{CA954B2F-12DE-47F5-8894-472B206D2E1E}" type="datetimeFigureOut">
               <a:rPr lang="en-US" dirty="0"/>
-              <a:t>10/26/2022</a:t>
+              <a:t>10/30/2022</a:t>
             </a:fld>
             <a:endParaRPr lang="en-US"/>
           </a:p>
@@ -9956,7 +9957,7 @@
           <a:p>
             <a:fld id="{3F30E46F-7819-4ACF-B48B-48222C2ACC88}" type="datetimeFigureOut">
               <a:rPr lang="en-US" dirty="0"/>
-              <a:t>10/26/2022</a:t>
+              <a:t>10/30/2022</a:t>
             </a:fld>
             <a:endParaRPr lang="en-US"/>
           </a:p>
@@ -10155,7 +10156,7 @@
           <a:p>
             <a:fld id="{1FAF3416-4057-4DAA-829D-4CA07428D088}" type="datetimeFigureOut">
               <a:rPr lang="en-US" dirty="0"/>
-              <a:t>10/26/2022</a:t>
+              <a:t>10/30/2022</a:t>
             </a:fld>
             <a:endParaRPr lang="en-US"/>
           </a:p>
@@ -10373,7 +10374,7 @@
           <a:p>
             <a:fld id="{921D9284-D300-4297-87F7-E791DCC15DB1}" type="datetimeFigureOut">
               <a:rPr lang="en-US" dirty="0"/>
-              <a:t>10/26/2022</a:t>
+              <a:t>10/30/2022</a:t>
             </a:fld>
             <a:endParaRPr lang="en-US"/>
           </a:p>
@@ -10745,7 +10746,7 @@
           <a:p>
             <a:fld id="{37D525BB-DA17-4BA0-B3C8-3AC3ABC827E6}" type="datetimeFigureOut">
               <a:rPr lang="en-US" dirty="0"/>
-              <a:t>10/26/2022</a:t>
+              <a:t>10/30/2022</a:t>
             </a:fld>
             <a:endParaRPr lang="en-US"/>
           </a:p>
@@ -11148,7 +11149,7 @@
           <a:p>
             <a:fld id="{B16C4C9A-3960-41CF-A4E9-2A8FB932454B}" type="datetimeFigureOut">
               <a:rPr lang="en-US" dirty="0"/>
-              <a:t>10/26/2022</a:t>
+              <a:t>10/30/2022</a:t>
             </a:fld>
             <a:endParaRPr lang="en-US"/>
           </a:p>
@@ -11490,7 +11491,7 @@
           <a:p>
             <a:fld id="{3CBC1C18-307B-4F68-A007-B5B542270E8D}" type="datetimeFigureOut">
               <a:rPr lang="en-US" dirty="0"/>
-              <a:t>10/26/2022</a:t>
+              <a:t>10/30/2022</a:t>
             </a:fld>
             <a:endParaRPr lang="en-US"/>
           </a:p>
@@ -12566,95 +12567,36 @@
           </a:p>
         </p:txBody>
       </p:sp>
-      <p:grpSp>
-        <p:nvGrpSpPr>
-          <p:cNvPr id="8" name="Group 7">
+      <p:pic>
+        <p:nvPicPr>
+          <p:cNvPr id="3" name="Picture 4">
             <a:extLst>
               <a:ext uri="{FF2B5EF4-FFF2-40B4-BE49-F238E27FC236}">
-                <a16:creationId xmlns:a16="http://schemas.microsoft.com/office/drawing/2014/main" id="{1F167CCA-B74A-1510-C5B1-8CC8CA9F63A8}"/>
+                <a16:creationId xmlns:a16="http://schemas.microsoft.com/office/drawing/2014/main" id="{A439ABBE-12D6-8AEF-302D-9F60966C8F50}"/>
               </a:ext>
             </a:extLst>
           </p:cNvPr>
-          <p:cNvGrpSpPr/>
+          <p:cNvPicPr>
+            <a:picLocks noChangeAspect="1"/>
+          </p:cNvPicPr>
           <p:nvPr/>
-        </p:nvGrpSpPr>
-        <p:grpSpPr>
+        </p:nvPicPr>
+        <p:blipFill>
+          <a:blip r:embed="rId2"/>
+          <a:stretch>
+            <a:fillRect/>
+          </a:stretch>
+        </p:blipFill>
+        <p:spPr>
           <a:xfrm>
-            <a:off x="4875203" y="258473"/>
-            <a:ext cx="6472047" cy="6261099"/>
-            <a:chOff x="3149920" y="488511"/>
-            <a:chExt cx="6472047" cy="6261099"/>
+            <a:off x="4638136" y="6358"/>
+            <a:ext cx="6783236" cy="6845282"/>
           </a:xfrm>
-        </p:grpSpPr>
-        <p:sp>
-          <p:nvSpPr>
-            <p:cNvPr id="4" name="TextBox 3">
-              <a:extLst>
-                <a:ext uri="{FF2B5EF4-FFF2-40B4-BE49-F238E27FC236}">
-                  <a16:creationId xmlns:a16="http://schemas.microsoft.com/office/drawing/2014/main" id="{C7130E10-7EDE-AD55-34BD-A779AE238F22}"/>
-                </a:ext>
-              </a:extLst>
-            </p:cNvPr>
-            <p:cNvSpPr txBox="1"/>
-            <p:nvPr/>
-          </p:nvSpPr>
-          <p:spPr>
-            <a:xfrm>
-              <a:off x="3149920" y="488511"/>
-              <a:ext cx="6472047" cy="6253830"/>
-            </a:xfrm>
-            <a:prstGeom prst="rect">
-              <a:avLst/>
-            </a:prstGeom>
-            <a:solidFill>
-              <a:schemeClr val="tx1"/>
-            </a:solidFill>
-          </p:spPr>
-          <p:txBody>
-            <a:bodyPr rot="0" spcFirstLastPara="0" vertOverflow="overflow" horzOverflow="overflow" vert="horz" wrap="square" lIns="91440" tIns="45720" rIns="91440" bIns="45720" numCol="1" spcCol="0" rtlCol="0" fromWordArt="0" anchor="t" anchorCtr="0" forceAA="0" compatLnSpc="1">
-              <a:prstTxWarp prst="textNoShape">
-                <a:avLst/>
-              </a:prstTxWarp>
-              <a:spAutoFit/>
-            </a:bodyPr>
-            <a:lstStyle/>
-            <a:p>
-              <a:pPr algn="l"/>
-              <a:endParaRPr lang="en-US"/>
-            </a:p>
-          </p:txBody>
-        </p:sp>
-        <p:pic>
-          <p:nvPicPr>
-            <p:cNvPr id="7" name="Picture 7">
-              <a:extLst>
-                <a:ext uri="{FF2B5EF4-FFF2-40B4-BE49-F238E27FC236}">
-                  <a16:creationId xmlns:a16="http://schemas.microsoft.com/office/drawing/2014/main" id="{531CE23F-D5E2-3339-E195-5EEEDFF8E322}"/>
-                </a:ext>
-              </a:extLst>
-            </p:cNvPr>
-            <p:cNvPicPr>
-              <a:picLocks noChangeAspect="1"/>
-            </p:cNvPicPr>
-            <p:nvPr/>
-          </p:nvPicPr>
-          <p:blipFill>
-            <a:blip r:embed="rId2"/>
-            <a:stretch>
-              <a:fillRect/>
-            </a:stretch>
-          </p:blipFill>
-          <p:spPr>
-            <a:xfrm>
-              <a:off x="3272287" y="611598"/>
-              <a:ext cx="6236897" cy="6138012"/>
-            </a:xfrm>
-            <a:prstGeom prst="rect">
-              <a:avLst/>
-            </a:prstGeom>
-          </p:spPr>
-        </p:pic>
-      </p:grpSp>
+          <a:prstGeom prst="rect">
+            <a:avLst/>
+          </a:prstGeom>
+        </p:spPr>
+      </p:pic>
     </p:spTree>
     <p:extLst>
       <p:ext uri="{BB962C8B-B14F-4D97-AF65-F5344CB8AC3E}">
